--- a/מצגת סיכום מסקנות והמלצות עיסקיות בעברית.pptx
+++ b/מצגת סיכום מסקנות והמלצות עיסקיות בעברית.pptx
@@ -1662,7 +1662,7 @@
 <dgm:dataModel xmlns:dgm="http://schemas.openxmlformats.org/drawingml/2006/diagram" xmlns:a="http://schemas.openxmlformats.org/drawingml/2006/main">
   <dgm:ptLst>
     <dgm:pt modelId="{5DB471AA-77C3-4C9E-8A0D-D77C2BD7DE85}" type="doc">
-      <dgm:prSet loTypeId="urn:microsoft.com/office/officeart/2005/8/layout/vList2" loCatId="list" qsTypeId="urn:microsoft.com/office/officeart/2005/8/quickstyle/simple4" qsCatId="simple" csTypeId="urn:microsoft.com/office/officeart/2005/8/colors/colorful5" csCatId="colorful"/>
+      <dgm:prSet loTypeId="urn:microsoft.com/office/officeart/2005/8/layout/vList2" loCatId="list" qsTypeId="urn:microsoft.com/office/officeart/2005/8/quickstyle/simple4" qsCatId="simple" csTypeId="urn:microsoft.com/office/officeart/2005/8/colors/colorful5" csCatId="colorful" phldr="1"/>
       <dgm:spPr/>
       <dgm:t>
         <a:bodyPr/>
@@ -1793,6 +1793,7 @@
         <a:bodyPr/>
         <a:lstStyle/>
         <a:p>
+          <a:pPr algn="r" rtl="1"/>
           <a:r>
             <a:rPr lang="he-IL" dirty="0"/>
             <a:t>הפניה לבדיקה יקרה תוך עמידה בתקציב.</a:t>
@@ -1830,11 +1831,12 @@
         <a:bodyPr/>
         <a:lstStyle/>
         <a:p>
+          <a:pPr algn="r" rtl="1"/>
           <a:r>
-            <a:rPr lang="he-IL"/>
+            <a:rPr lang="he-IL" dirty="0"/>
             <a:t>תוך כדי זיהויי של מרב המקרים האמיתיים בסיכון.</a:t>
           </a:r>
-          <a:endParaRPr lang="en-US"/>
+          <a:endParaRPr lang="en-US" dirty="0"/>
         </a:p>
       </dgm:t>
     </dgm:pt>
@@ -2572,7 +2574,7 @@
         </a:bodyPr>
         <a:lstStyle/>
         <a:p>
-          <a:pPr marL="0" lvl="0" indent="0" algn="l" defTabSz="933450">
+          <a:pPr marL="0" lvl="0" indent="0" algn="r" defTabSz="933450" rtl="1">
             <a:lnSpc>
               <a:spcPct val="90000"/>
             </a:lnSpc>
@@ -2667,7 +2669,7 @@
         </a:bodyPr>
         <a:lstStyle/>
         <a:p>
-          <a:pPr marL="0" lvl="0" indent="0" algn="l" defTabSz="933450">
+          <a:pPr marL="0" lvl="0" indent="0" algn="r" defTabSz="933450" rtl="1">
             <a:lnSpc>
               <a:spcPct val="90000"/>
             </a:lnSpc>
@@ -2680,10 +2682,10 @@
             <a:buNone/>
           </a:pPr>
           <a:r>
-            <a:rPr lang="he-IL" sz="2100" kern="1200"/>
+            <a:rPr lang="he-IL" sz="2100" kern="1200" dirty="0"/>
             <a:t>תוך כדי זיהויי של מרב המקרים האמיתיים בסיכון.</a:t>
           </a:r>
-          <a:endParaRPr lang="en-US" sz="2100" kern="1200"/>
+          <a:endParaRPr lang="en-US" sz="2100" kern="1200" dirty="0"/>
         </a:p>
       </dsp:txBody>
       <dsp:txXfrm>
@@ -10205,7 +10207,7 @@
             <p:ph idx="1"/>
             <p:extLst>
               <p:ext uri="{D42A27DB-BD31-4B8C-83A1-F6EECF244321}">
-                <p14:modId xmlns:p14="http://schemas.microsoft.com/office/powerpoint/2010/main" val="601835315"/>
+                <p14:modId xmlns:p14="http://schemas.microsoft.com/office/powerpoint/2010/main" val="3380736332"/>
               </p:ext>
             </p:extLst>
           </p:nvPr>
@@ -10674,8 +10676,8 @@
         </p:nvSpPr>
         <p:spPr>
           <a:xfrm>
-            <a:off x="1028699" y="2318197"/>
-            <a:ext cx="7293023" cy="3683358"/>
+            <a:off x="344512" y="1622745"/>
+            <a:ext cx="8799485" cy="5086280"/>
           </a:xfrm>
         </p:spPr>
         <p:txBody>
@@ -10692,15 +10694,15 @@
               </a:defRPr>
             </a:pPr>
             <a:r>
-              <a:rPr lang="he-IL" sz="2000" dirty="0"/>
+              <a:rPr lang="he-IL" sz="2400" dirty="0"/>
               <a:t>ניתוח נתונים </a:t>
             </a:r>
             <a:r>
-              <a:rPr lang="en-US" sz="2000" dirty="0"/>
+              <a:rPr lang="en-US" sz="2400" dirty="0"/>
               <a:t>EDA</a:t>
             </a:r>
             <a:r>
-              <a:rPr lang="he-IL" sz="2000" dirty="0"/>
+              <a:rPr lang="he-IL" sz="2400" dirty="0"/>
               <a:t> והסקת מסקנות ראשוניות.</a:t>
             </a:r>
           </a:p>
@@ -10713,7 +10715,7 @@
               </a:defRPr>
             </a:pPr>
             <a:r>
-              <a:rPr lang="he-IL" sz="2000" dirty="0"/>
+              <a:rPr lang="he-IL" sz="2400" dirty="0"/>
               <a:t>הכנת הנתונים כולל ניקוי, המרה, והנדסת תכונות.</a:t>
             </a:r>
           </a:p>
@@ -10726,19 +10728,19 @@
               </a:defRPr>
             </a:pPr>
             <a:r>
-              <a:rPr lang="he-IL" sz="2000" dirty="0"/>
+              <a:rPr lang="he-IL" sz="2400" dirty="0"/>
               <a:t>אימון מודלים: </a:t>
             </a:r>
             <a:r>
-              <a:rPr lang="en-US" sz="2000" dirty="0" err="1"/>
+              <a:rPr lang="en-US" sz="2400" dirty="0" err="1"/>
               <a:t>XGBoost</a:t>
             </a:r>
             <a:r>
-              <a:rPr lang="en-US" sz="2000" dirty="0"/>
+              <a:rPr lang="en-US" sz="2400" dirty="0"/>
               <a:t> </a:t>
             </a:r>
             <a:r>
-              <a:rPr lang="he-IL" sz="2000" dirty="0"/>
+              <a:rPr lang="he-IL" sz="2400" dirty="0"/>
               <a:t> ורגרסיה לוגיסטית.</a:t>
             </a:r>
           </a:p>
@@ -10751,11 +10753,11 @@
               </a:defRPr>
             </a:pPr>
             <a:r>
-              <a:rPr lang="he-IL" sz="2000" dirty="0"/>
+              <a:rPr lang="he-IL" sz="2400" dirty="0"/>
               <a:t>הערכת ביצועים – בעזרת שיטות כמו קרוס ולידציה,וקליברציה ושימוש במדדי </a:t>
             </a:r>
             <a:r>
-              <a:rPr lang="en-US" sz="2000" dirty="0"/>
+              <a:rPr lang="en-US" sz="2400" dirty="0"/>
               <a:t>AUC, PRAUC.</a:t>
             </a:r>
           </a:p>
@@ -10768,7 +10770,7 @@
               </a:defRPr>
             </a:pPr>
             <a:r>
-              <a:rPr lang="he-IL" sz="2000" dirty="0"/>
+              <a:rPr lang="he-IL" sz="2400" dirty="0"/>
               <a:t>קביעת אסטרטגיית פעולה לפי אילוצי המערכת והצורך הקליני.</a:t>
             </a:r>
           </a:p>
@@ -11974,7 +11976,7 @@
             <a:prstTxWarp prst="textNoShape">
               <a:avLst/>
             </a:prstTxWarp>
-            <a:normAutofit/>
+            <a:normAutofit lnSpcReduction="10000"/>
           </a:bodyPr>
           <a:lstStyle/>
           <a:p>
@@ -12153,7 +12155,16 @@
                 </a:ln>
                 <a:effectLst/>
               </a:rPr>
-              <a:t> (Y=1) </a:t>
+              <a:t>(Y=1) </a:t>
+            </a:r>
+            <a:r>
+              <a:rPr kumimoji="0" lang="he-IL" altLang="en-US" b="0" i="0" u="none" strike="noStrike" cap="none" normalizeH="0" baseline="0" dirty="0">
+                <a:ln>
+                  <a:noFill/>
+                </a:ln>
+                <a:effectLst/>
+              </a:rPr>
+              <a:t> </a:t>
             </a:r>
             <a:r>
               <a:rPr kumimoji="0" lang="en-US" altLang="en-US" b="0" i="0" u="none" strike="noStrike" cap="none" normalizeH="0" baseline="0" dirty="0" err="1">
@@ -12171,7 +12182,16 @@
                 </a:ln>
                 <a:effectLst/>
               </a:rPr>
-              <a:t> כ־4.3% – </a:t>
+              <a:t> כ4.3% – </a:t>
+            </a:r>
+            <a:r>
+              <a:rPr kumimoji="0" lang="he-IL" altLang="en-US" b="0" i="0" u="none" strike="noStrike" cap="none" normalizeH="0" baseline="0" dirty="0">
+                <a:ln>
+                  <a:noFill/>
+                </a:ln>
+                <a:effectLst/>
+              </a:rPr>
+              <a:t> </a:t>
             </a:r>
             <a:r>
               <a:rPr kumimoji="0" lang="en-US" altLang="en-US" b="0" i="0" u="none" strike="noStrike" cap="none" normalizeH="0" baseline="0" dirty="0" err="1">
@@ -13114,7 +13134,7 @@
                 </a:ln>
                 <a:effectLst/>
               </a:rPr>
-              <a:t>ו־XGBoost</a:t>
+              <a:t>וXGBoost</a:t>
             </a:r>
             <a:r>
               <a:rPr kumimoji="0" lang="en-US" altLang="en-US" b="0" i="0" u="none" strike="noStrike" cap="none" normalizeH="0" baseline="0" dirty="0">
@@ -13123,7 +13143,16 @@
                 </a:ln>
                 <a:effectLst/>
               </a:rPr>
-              <a:t>  </a:t>
+              <a:t> </a:t>
+            </a:r>
+            <a:r>
+              <a:rPr kumimoji="0" lang="he-IL" altLang="en-US" b="0" i="0" u="none" strike="noStrike" cap="none" normalizeH="0" baseline="0" dirty="0">
+                <a:ln>
+                  <a:noFill/>
+                </a:ln>
+                <a:effectLst/>
+              </a:rPr>
+              <a:t> </a:t>
             </a:r>
             <a:r>
               <a:rPr kumimoji="0" lang="en-US" altLang="en-US" b="0" i="0" u="none" strike="noStrike" cap="none" normalizeH="0" baseline="0" dirty="0" err="1">
@@ -13293,26 +13322,18 @@
                 </a:ln>
                 <a:effectLst/>
               </a:rPr>
-              <a:t> (</a:t>
-            </a:r>
-            <a:r>
-              <a:rPr kumimoji="0" lang="en-US" altLang="en-US" b="0" i="0" u="none" strike="noStrike" cap="none" normalizeH="0" baseline="0" dirty="0" err="1">
-                <a:ln>
-                  <a:noFill/>
-                </a:ln>
-                <a:effectLst/>
-              </a:rPr>
-              <a:t>מעל</a:t>
-            </a:r>
-            <a:r>
-              <a:rPr kumimoji="0" lang="en-US" altLang="en-US" b="0" i="0" u="none" strike="noStrike" cap="none" normalizeH="0" baseline="0" dirty="0">
-                <a:ln>
-                  <a:noFill/>
-                </a:ln>
-                <a:effectLst/>
-              </a:rPr>
-              <a:t> 50%).</a:t>
-            </a:r>
+              <a:t> </a:t>
+            </a:r>
+            <a:r>
+              <a:rPr lang="he-IL" altLang="en-US" dirty="0"/>
+              <a:t>מעל 50%</a:t>
+            </a:r>
+            <a:endParaRPr kumimoji="0" lang="en-US" altLang="en-US" b="0" i="0" u="none" strike="noStrike" cap="none" normalizeH="0" baseline="0" dirty="0">
+              <a:ln>
+                <a:noFill/>
+              </a:ln>
+              <a:effectLst/>
+            </a:endParaRPr>
           </a:p>
           <a:p>
             <a:pPr lvl="0" indent="-228600" algn="r" defTabSz="914400" rtl="1" fontAlgn="base">
@@ -13329,10 +13350,6 @@
               <a:buChar char="•"/>
             </a:pPr>
             <a:r>
-              <a:rPr lang="en-US" altLang="en-US" b="1" dirty="0"/>
-              <a:t>*   </a:t>
-            </a:r>
-            <a:r>
               <a:rPr lang="en-US" altLang="en-US" b="1" dirty="0" err="1"/>
               <a:t>BERTopic</a:t>
             </a:r>
@@ -13389,14 +13406,10 @@
             </a:r>
             <a:r>
               <a:rPr lang="en-US" altLang="en-US" dirty="0"/>
-              <a:t> (topic modeling) </a:t>
-            </a:r>
-            <a:r>
-              <a:rPr lang="en-US" altLang="en-US" dirty="0" err="1"/>
-              <a:t>והם</a:t>
-            </a:r>
-            <a:r>
-              <a:rPr lang="en-US" altLang="en-US" dirty="0"/>
+              <a:t>(topic modeling) </a:t>
+            </a:r>
+            <a:r>
+              <a:rPr lang="he-IL" altLang="en-US" dirty="0"/>
               <a:t> </a:t>
             </a:r>
             <a:r>
@@ -13443,8 +13456,8 @@
               <a:t>    </a:t>
             </a:r>
             <a:r>
-              <a:rPr lang="en-US" altLang="en-US" dirty="0" err="1"/>
-              <a:t>הערות</a:t>
+              <a:rPr lang="he-IL" altLang="en-US" dirty="0"/>
+              <a:t>ערכי</a:t>
             </a:r>
             <a:r>
               <a:rPr lang="en-US" altLang="en-US" dirty="0"/>
@@ -13619,13 +13632,55 @@
               <a:t>קלינית</a:t>
             </a:r>
             <a:r>
+              <a:rPr kumimoji="0" lang="he-IL" altLang="en-US" b="0" i="0" u="none" strike="noStrike" cap="none" normalizeH="0" baseline="0" dirty="0">
+                <a:ln>
+                  <a:noFill/>
+                </a:ln>
+                <a:effectLst/>
+              </a:rPr>
+              <a:t> ונמצאים בטווח הערכים המקובל בספרות</a:t>
+            </a:r>
+            <a:r>
               <a:rPr kumimoji="0" lang="en-US" altLang="en-US" b="0" i="0" u="none" strike="noStrike" cap="none" normalizeH="0" baseline="0" dirty="0">
                 <a:ln>
                   <a:noFill/>
                 </a:ln>
                 <a:effectLst/>
               </a:rPr>
-              <a:t>. ב־β-</a:t>
+              <a:t>.</a:t>
+            </a:r>
+            <a:endParaRPr kumimoji="0" lang="he-IL" altLang="en-US" b="0" i="0" u="none" strike="noStrike" cap="none" normalizeH="0" baseline="0" dirty="0">
+              <a:ln>
+                <a:noFill/>
+              </a:ln>
+              <a:effectLst/>
+            </a:endParaRPr>
+          </a:p>
+          <a:p>
+            <a:pPr marL="285750" marR="0" lvl="0" indent="-228600" algn="r" defTabSz="914400" rtl="1" fontAlgn="base">
+              <a:lnSpc>
+                <a:spcPct val="90000"/>
+              </a:lnSpc>
+              <a:spcBef>
+                <a:spcPct val="0"/>
+              </a:spcBef>
+              <a:spcAft>
+                <a:spcPts val="600"/>
+              </a:spcAft>
+              <a:buClrTx/>
+              <a:buSzTx/>
+              <a:buFont typeface="Arial" panose="020B0604020202020204" pitchFamily="34" charset="0"/>
+              <a:buChar char="•"/>
+              <a:tabLst/>
+            </a:pPr>
+            <a:r>
+              <a:rPr kumimoji="0" lang="en-US" altLang="en-US" b="0" i="0" u="none" strike="noStrike" cap="none" normalizeH="0" baseline="0" dirty="0">
+                <a:ln>
+                  <a:noFill/>
+                </a:ln>
+                <a:effectLst/>
+              </a:rPr>
+              <a:t>ב־β-</a:t>
             </a:r>
             <a:r>
               <a:rPr kumimoji="0" lang="en-US" altLang="en-US" b="0" i="0" u="none" strike="noStrike" cap="none" normalizeH="0" baseline="0" dirty="0" err="1">
@@ -13646,6 +13701,15 @@
               <a:t> </a:t>
             </a:r>
             <a:r>
+              <a:rPr kumimoji="0" lang="he-IL" altLang="en-US" b="0" i="0" u="none" strike="noStrike" cap="none" normalizeH="0" baseline="0" dirty="0">
+                <a:ln>
+                  <a:noFill/>
+                </a:ln>
+                <a:effectLst/>
+              </a:rPr>
+              <a:t> </a:t>
+            </a:r>
+            <a:r>
               <a:rPr kumimoji="0" lang="en-US" altLang="en-US" b="0" i="0" u="none" strike="noStrike" cap="none" normalizeH="0" baseline="0" dirty="0" err="1">
                 <a:ln>
                   <a:noFill/>
@@ -13725,6 +13789,26 @@
                 <a:effectLst/>
               </a:rPr>
               <a:t> </a:t>
+            </a:r>
+          </a:p>
+          <a:p>
+            <a:pPr marL="57150" marR="0" lvl="0" algn="r" defTabSz="914400" rtl="1" fontAlgn="base">
+              <a:lnSpc>
+                <a:spcPct val="90000"/>
+              </a:lnSpc>
+              <a:spcBef>
+                <a:spcPct val="0"/>
+              </a:spcBef>
+              <a:spcAft>
+                <a:spcPts val="600"/>
+              </a:spcAft>
+              <a:buClrTx/>
+              <a:buSzTx/>
+              <a:tabLst/>
+            </a:pPr>
+            <a:r>
+              <a:rPr lang="he-IL" altLang="en-US" dirty="0"/>
+              <a:t>*</a:t>
             </a:r>
             <a:r>
               <a:rPr lang="en-US" altLang="en-US" dirty="0" err="1"/>
@@ -15954,53 +16038,58 @@
               <a:buChar char="•"/>
             </a:pPr>
             <a:r>
-              <a:rPr lang="en-US" sz="2800" dirty="0" err="1"/>
+              <a:rPr lang="en-US" sz="2400" dirty="0" err="1"/>
               <a:t>נבחנו</a:t>
             </a:r>
             <a:r>
-              <a:rPr lang="en-US" sz="2800" dirty="0"/>
+              <a:rPr lang="en-US" sz="2400" dirty="0"/>
               <a:t> </a:t>
             </a:r>
             <a:r>
-              <a:rPr lang="en-US" sz="2800" dirty="0" err="1"/>
+              <a:rPr lang="en-US" sz="2400" dirty="0" err="1"/>
               <a:t>שני</a:t>
             </a:r>
             <a:r>
-              <a:rPr lang="en-US" sz="2800" dirty="0"/>
+              <a:rPr lang="en-US" sz="2400" dirty="0"/>
               <a:t> </a:t>
             </a:r>
             <a:r>
-              <a:rPr lang="en-US" sz="2800" dirty="0" err="1"/>
+              <a:rPr lang="en-US" sz="2400" dirty="0" err="1"/>
               <a:t>מודלים</a:t>
             </a:r>
             <a:r>
-              <a:rPr lang="en-US" sz="2800" dirty="0"/>
+              <a:rPr lang="en-US" sz="2400" dirty="0"/>
               <a:t>: </a:t>
             </a:r>
             <a:r>
-              <a:rPr lang="en-US" sz="2800" dirty="0" err="1"/>
+              <a:rPr lang="en-US" sz="2400" dirty="0" err="1"/>
               <a:t>רגרסיה</a:t>
             </a:r>
             <a:r>
-              <a:rPr lang="en-US" sz="2800" dirty="0"/>
+              <a:rPr lang="en-US" sz="2400" dirty="0"/>
               <a:t> </a:t>
             </a:r>
             <a:r>
-              <a:rPr lang="en-US" sz="2800" dirty="0" err="1"/>
+              <a:rPr lang="en-US" sz="2400" dirty="0" err="1"/>
               <a:t>לוגיסטית</a:t>
             </a:r>
             <a:r>
-              <a:rPr lang="en-US" sz="2800" dirty="0"/>
-              <a:t> ו-</a:t>
-            </a:r>
-            <a:r>
-              <a:rPr lang="en-US" sz="2800" dirty="0" err="1"/>
+              <a:rPr lang="en-US" sz="2400" dirty="0"/>
+              <a:t> </a:t>
+            </a:r>
+            <a:r>
+              <a:rPr lang="he-IL" sz="2400" dirty="0"/>
+              <a:t>ו – </a:t>
+            </a:r>
+            <a:r>
+              <a:rPr lang="en-US" sz="2400" dirty="0" err="1"/>
               <a:t>XGBoost</a:t>
             </a:r>
             <a:r>
-              <a:rPr lang="en-US" sz="2800" dirty="0"/>
+              <a:rPr lang="he-IL" sz="2400" dirty="0"/>
               <a:t>.</a:t>
             </a:r>
+            <a:endParaRPr lang="en-US" sz="2400" dirty="0"/>
           </a:p>
           <a:p>
             <a:pPr marL="285750" indent="-228600" algn="r" defTabSz="914400" rtl="1">
@@ -16014,51 +16103,51 @@
               <a:buChar char="•"/>
             </a:pPr>
             <a:r>
-              <a:rPr lang="en-US" sz="2800" dirty="0" err="1"/>
+              <a:rPr lang="en-US" sz="2400" dirty="0" err="1"/>
               <a:t>הרגרסיה</a:t>
             </a:r>
             <a:r>
-              <a:rPr lang="en-US" sz="2800" dirty="0"/>
+              <a:rPr lang="en-US" sz="2400" dirty="0"/>
               <a:t> </a:t>
             </a:r>
             <a:r>
-              <a:rPr lang="en-US" sz="2800" dirty="0" err="1"/>
+              <a:rPr lang="en-US" sz="2400" dirty="0" err="1"/>
               <a:t>הלוגיסטית</a:t>
             </a:r>
             <a:r>
-              <a:rPr lang="en-US" sz="2800" dirty="0"/>
+              <a:rPr lang="en-US" sz="2400" dirty="0"/>
               <a:t> </a:t>
             </a:r>
             <a:r>
-              <a:rPr lang="en-US" sz="2800" dirty="0" err="1"/>
+              <a:rPr lang="en-US" sz="2400" dirty="0" err="1"/>
               <a:t>הראתה</a:t>
             </a:r>
             <a:r>
-              <a:rPr lang="en-US" sz="2800" dirty="0"/>
+              <a:rPr lang="en-US" sz="2400" dirty="0"/>
               <a:t> </a:t>
             </a:r>
             <a:r>
-              <a:rPr lang="en-US" sz="2800" dirty="0" err="1"/>
+              <a:rPr lang="en-US" sz="2400" dirty="0" err="1"/>
               <a:t>ביצועים</a:t>
             </a:r>
             <a:r>
-              <a:rPr lang="en-US" sz="2800" dirty="0"/>
+              <a:rPr lang="en-US" sz="2400" dirty="0"/>
               <a:t> </a:t>
             </a:r>
             <a:r>
-              <a:rPr lang="en-US" sz="2800" dirty="0" err="1"/>
+              <a:rPr lang="en-US" sz="2400" dirty="0" err="1"/>
               <a:t>עדיפים</a:t>
             </a:r>
             <a:r>
-              <a:rPr lang="en-US" sz="2800" dirty="0"/>
+              <a:rPr lang="en-US" sz="2400" dirty="0"/>
               <a:t> </a:t>
             </a:r>
             <a:r>
-              <a:rPr lang="en-US" sz="2800" dirty="0" err="1"/>
+              <a:rPr lang="en-US" sz="2400" dirty="0" err="1"/>
               <a:t>במדדים</a:t>
             </a:r>
             <a:r>
-              <a:rPr lang="en-US" sz="2800" dirty="0"/>
+              <a:rPr lang="en-US" sz="2400" dirty="0"/>
               <a:t> AUC, AUPR </a:t>
             </a:r>
           </a:p>
@@ -16074,62 +16163,74 @@
               <a:buChar char="•"/>
             </a:pPr>
             <a:r>
-              <a:rPr lang="en-US" sz="2800" dirty="0" err="1"/>
+              <a:rPr lang="en-US" sz="2400" dirty="0" err="1"/>
               <a:t>מודלXGBoost</a:t>
             </a:r>
             <a:r>
-              <a:rPr lang="en-US" sz="2800" dirty="0"/>
+              <a:rPr lang="en-US" sz="2400" dirty="0"/>
               <a:t> </a:t>
             </a:r>
             <a:r>
-              <a:rPr lang="he-IL" sz="2800" dirty="0"/>
+              <a:rPr lang="he-IL" sz="2400" dirty="0"/>
               <a:t> </a:t>
             </a:r>
             <a:r>
-              <a:rPr lang="en-US" sz="2800" dirty="0" err="1"/>
+              <a:rPr lang="en-US" sz="2400" dirty="0" err="1"/>
               <a:t>הציג</a:t>
             </a:r>
             <a:r>
-              <a:rPr lang="en-US" sz="2800" dirty="0"/>
+              <a:rPr lang="en-US" sz="2400" dirty="0"/>
               <a:t> </a:t>
             </a:r>
             <a:r>
-              <a:rPr lang="en-US" sz="2800" dirty="0" err="1"/>
+              <a:rPr lang="en-US" sz="2400" dirty="0" err="1"/>
               <a:t>דיוק</a:t>
             </a:r>
             <a:r>
-              <a:rPr lang="en-US" sz="2800" dirty="0"/>
+              <a:rPr lang="en-US" sz="2400" dirty="0"/>
               <a:t> </a:t>
             </a:r>
             <a:r>
-              <a:rPr lang="en-US" sz="2800" dirty="0" err="1"/>
+              <a:rPr lang="en-US" sz="2400" dirty="0" err="1"/>
               <a:t>טוב</a:t>
             </a:r>
             <a:r>
-              <a:rPr lang="en-US" sz="2800" dirty="0"/>
+              <a:rPr lang="en-US" sz="2400" dirty="0"/>
               <a:t> </a:t>
             </a:r>
             <a:r>
-              <a:rPr lang="en-US" sz="2800" dirty="0" err="1"/>
+              <a:rPr lang="en-US" sz="2400" dirty="0" err="1"/>
               <a:t>יותר</a:t>
             </a:r>
             <a:r>
-              <a:rPr lang="en-US" sz="2800" dirty="0"/>
+              <a:rPr lang="en-US" sz="2400" dirty="0"/>
               <a:t> </a:t>
             </a:r>
             <a:r>
-              <a:rPr lang="en-US" sz="2800" dirty="0" err="1"/>
-              <a:t>במדד</a:t>
-            </a:r>
-            <a:r>
-              <a:rPr lang="en-US" sz="2800" dirty="0"/>
+              <a:rPr lang="he-IL" sz="2400" dirty="0"/>
+              <a:t>לפי מדד</a:t>
+            </a:r>
+            <a:r>
+              <a:rPr lang="en-US" sz="2400" dirty="0"/>
               <a:t> </a:t>
             </a:r>
             <a:r>
-              <a:rPr lang="en-US" sz="2800" dirty="0" err="1"/>
+              <a:rPr lang="en-US" sz="2400" dirty="0" err="1"/>
               <a:t>הPPV</a:t>
             </a:r>
-            <a:endParaRPr lang="en-US" sz="2800" dirty="0"/>
+            <a:r>
+              <a:rPr lang="he-IL" sz="2400" dirty="0"/>
+              <a:t> (</a:t>
+            </a:r>
+            <a:r>
+              <a:rPr lang="en-US" sz="2400" dirty="0"/>
+              <a:t>precision</a:t>
+            </a:r>
+            <a:r>
+              <a:rPr lang="he-IL" sz="2400" dirty="0"/>
+              <a:t>)</a:t>
+            </a:r>
+            <a:endParaRPr lang="en-US" sz="2400" dirty="0"/>
           </a:p>
           <a:p>
             <a:pPr marL="285750" indent="-228600" algn="r" defTabSz="914400" rtl="1">
@@ -16143,58 +16244,62 @@
               <a:buChar char="•"/>
             </a:pPr>
             <a:r>
-              <a:rPr lang="en-US" sz="2800" dirty="0" err="1"/>
+              <a:rPr lang="en-US" sz="2400" dirty="0" err="1"/>
               <a:t>שני</a:t>
             </a:r>
             <a:r>
-              <a:rPr lang="en-US" sz="2800" dirty="0"/>
+              <a:rPr lang="en-US" sz="2400" dirty="0"/>
               <a:t> </a:t>
             </a:r>
             <a:r>
-              <a:rPr lang="en-US" sz="2800" dirty="0" err="1"/>
+              <a:rPr lang="en-US" sz="2400" dirty="0" err="1"/>
               <a:t>המודלים</a:t>
             </a:r>
             <a:r>
-              <a:rPr lang="en-US" sz="2800" dirty="0"/>
+              <a:rPr lang="en-US" sz="2400" dirty="0"/>
               <a:t> </a:t>
             </a:r>
             <a:r>
-              <a:rPr lang="en-US" sz="2800" dirty="0" err="1"/>
+              <a:rPr lang="en-US" sz="2400" dirty="0" err="1"/>
               <a:t>סבלו</a:t>
             </a:r>
             <a:r>
-              <a:rPr lang="en-US" sz="2800" dirty="0"/>
+              <a:rPr lang="en-US" sz="2400" dirty="0"/>
               <a:t> </a:t>
             </a:r>
             <a:r>
-              <a:rPr lang="en-US" sz="2800" dirty="0" err="1"/>
+              <a:rPr lang="en-US" sz="2400" dirty="0" err="1"/>
               <a:t>מכיול</a:t>
             </a:r>
             <a:r>
-              <a:rPr lang="en-US" sz="2800" dirty="0"/>
+              <a:rPr lang="en-US" sz="2400" dirty="0"/>
               <a:t> </a:t>
             </a:r>
             <a:r>
-              <a:rPr lang="en-US" sz="2800" dirty="0" err="1"/>
+              <a:rPr lang="en-US" sz="2400" dirty="0" err="1"/>
               <a:t>לקוי</a:t>
             </a:r>
             <a:r>
-              <a:rPr lang="en-US" sz="2800" dirty="0"/>
+              <a:rPr lang="en-US" sz="2400" dirty="0"/>
               <a:t> </a:t>
             </a:r>
             <a:r>
-              <a:rPr lang="en-US" sz="2800" dirty="0" err="1"/>
+              <a:rPr lang="en-US" sz="2400" dirty="0" err="1"/>
               <a:t>בניבוי</a:t>
             </a:r>
             <a:r>
-              <a:rPr lang="en-US" sz="2800" dirty="0"/>
+              <a:rPr lang="en-US" sz="2400" dirty="0"/>
               <a:t> </a:t>
             </a:r>
             <a:r>
-              <a:rPr lang="en-US" sz="2800" dirty="0" err="1"/>
+              <a:rPr lang="en-US" sz="2400" dirty="0" err="1"/>
               <a:t>ההסתברותי</a:t>
             </a:r>
-            <a:endParaRPr lang="he-IL" sz="2800" dirty="0"/>
+            <a:r>
+              <a:rPr lang="he-IL" sz="2400"/>
+              <a:t>, כנראה מחוסר בהבנה או הכנה של חלק מהנתונים.</a:t>
+            </a:r>
+            <a:endParaRPr lang="he-IL" sz="2400" dirty="0"/>
           </a:p>
           <a:p>
             <a:pPr marL="285750" indent="-228600" algn="r" defTabSz="914400" rtl="1">
@@ -16208,27 +16313,27 @@
               <a:buChar char="•"/>
             </a:pPr>
             <a:r>
-              <a:rPr lang="en-US" sz="2800" dirty="0" err="1"/>
+              <a:rPr lang="en-US" sz="2400" dirty="0" err="1"/>
               <a:t>אך</a:t>
             </a:r>
             <a:r>
-              <a:rPr lang="en-US" sz="2800" dirty="0"/>
+              <a:rPr lang="en-US" sz="2400" dirty="0"/>
               <a:t> </a:t>
             </a:r>
             <a:r>
-              <a:rPr lang="en-US" sz="2800" dirty="0" err="1"/>
+              <a:rPr lang="en-US" sz="2400" dirty="0" err="1"/>
               <a:t>לאחר</a:t>
             </a:r>
             <a:r>
-              <a:rPr lang="en-US" sz="2800" dirty="0"/>
+              <a:rPr lang="en-US" sz="2400" dirty="0"/>
               <a:t> </a:t>
             </a:r>
             <a:r>
-              <a:rPr lang="en-US" sz="2800" dirty="0" err="1"/>
+              <a:rPr lang="en-US" sz="2400" dirty="0" err="1"/>
               <a:t>קליברציה</a:t>
             </a:r>
             <a:r>
-              <a:rPr lang="en-US" sz="2800" dirty="0"/>
+              <a:rPr lang="en-US" sz="2400" dirty="0"/>
               <a:t>:</a:t>
             </a:r>
           </a:p>
@@ -16244,78 +16349,74 @@
               <a:buChar char="•"/>
             </a:pPr>
             <a:r>
-              <a:rPr lang="en-US" sz="2800" dirty="0" err="1"/>
+              <a:rPr lang="en-US" sz="2400" dirty="0" err="1"/>
               <a:t>נבחר</a:t>
             </a:r>
             <a:r>
-              <a:rPr lang="en-US" sz="2800" dirty="0"/>
+              <a:rPr lang="en-US" sz="2400" dirty="0"/>
               <a:t> XGBOOST </a:t>
             </a:r>
             <a:r>
-              <a:rPr lang="he-IL" sz="2800" dirty="0"/>
+              <a:rPr lang="he-IL" sz="2400" dirty="0"/>
               <a:t> </a:t>
             </a:r>
             <a:r>
-              <a:rPr lang="en-US" sz="2800" dirty="0" err="1"/>
+              <a:rPr lang="en-US" sz="2400" dirty="0" err="1"/>
               <a:t>שהציג</a:t>
             </a:r>
             <a:r>
-              <a:rPr lang="en-US" sz="2800" dirty="0"/>
+              <a:rPr lang="en-US" sz="2400" dirty="0"/>
               <a:t> </a:t>
             </a:r>
             <a:r>
-              <a:rPr lang="en-US" sz="2800" dirty="0" err="1"/>
+              <a:rPr lang="en-US" sz="2400" dirty="0" err="1"/>
               <a:t>ביצועי</a:t>
             </a:r>
             <a:r>
-              <a:rPr lang="en-US" sz="2800" dirty="0"/>
+              <a:rPr lang="en-US" sz="2400" dirty="0"/>
               <a:t> </a:t>
             </a:r>
             <a:r>
-              <a:rPr lang="en-US" sz="2800" dirty="0" err="1"/>
+              <a:rPr lang="en-US" sz="2400" dirty="0" err="1"/>
               <a:t>קליברציה</a:t>
             </a:r>
             <a:r>
-              <a:rPr lang="en-US" sz="2800" dirty="0"/>
+              <a:rPr lang="en-US" sz="2400" dirty="0"/>
               <a:t> </a:t>
             </a:r>
             <a:r>
-              <a:rPr lang="en-US" sz="2800" dirty="0" err="1"/>
+              <a:rPr lang="en-US" sz="2400" dirty="0" err="1"/>
               <a:t>טובים</a:t>
             </a:r>
             <a:r>
-              <a:rPr lang="en-US" sz="2800" dirty="0"/>
+              <a:rPr lang="en-US" sz="2400" dirty="0"/>
               <a:t> </a:t>
             </a:r>
             <a:r>
-              <a:rPr lang="en-US" sz="2800" dirty="0" err="1"/>
+              <a:rPr lang="en-US" sz="2400" dirty="0" err="1"/>
               <a:t>ושמר</a:t>
             </a:r>
             <a:r>
-              <a:rPr lang="en-US" sz="2800" dirty="0"/>
+              <a:rPr lang="en-US" sz="2400" dirty="0"/>
               <a:t> </a:t>
             </a:r>
             <a:r>
-              <a:rPr lang="en-US" sz="2800" dirty="0" err="1"/>
+              <a:rPr lang="en-US" sz="2400" dirty="0" err="1"/>
               <a:t>על</a:t>
             </a:r>
             <a:r>
-              <a:rPr lang="en-US" sz="2800" dirty="0"/>
+              <a:rPr lang="en-US" sz="2400" dirty="0"/>
               <a:t> </a:t>
             </a:r>
             <a:r>
-              <a:rPr lang="en-US" sz="2800" dirty="0" err="1"/>
+              <a:rPr lang="en-US" sz="2400" dirty="0" err="1"/>
               <a:t>ביצועי</a:t>
             </a:r>
             <a:r>
-              <a:rPr lang="en-US" sz="2800" dirty="0"/>
-              <a:t> AUC</a:t>
-            </a:r>
-            <a:r>
-              <a:rPr lang="he-IL" sz="2800" dirty="0"/>
-              <a:t>.</a:t>
-            </a:r>
-            <a:endParaRPr lang="en-US" sz="2800" dirty="0"/>
+              <a:rPr lang="he-IL" sz="2400" dirty="0"/>
+              <a:t>ם מספקים.</a:t>
+            </a:r>
+            <a:endParaRPr lang="en-US" sz="2400" dirty="0"/>
           </a:p>
         </p:txBody>
       </p:sp>

--- a/מצגת סיכום מסקנות והמלצות עיסקיות בעברית.pptx
+++ b/מצגת סיכום מסקנות והמלצות עיסקיות בעברית.pptx
@@ -10548,19 +10548,6 @@
               </a:rPr>
               <a:t>EDA</a:t>
             </a:r>
-            <a:r>
-              <a:rPr lang="he-IL" sz="3500" dirty="0">
-                <a:solidFill>
-                  <a:srgbClr val="FFFFFF"/>
-                </a:solidFill>
-              </a:rPr>
-              <a:t>שלב ראשון </a:t>
-            </a:r>
-            <a:endParaRPr lang="en-US" sz="3500" dirty="0">
-              <a:solidFill>
-                <a:srgbClr val="FFFFFF"/>
-              </a:solidFill>
-            </a:endParaRPr>
           </a:p>
         </p:txBody>
       </p:sp>
@@ -10610,8 +10597,8 @@
               </a:lnSpc>
             </a:pPr>
             <a:r>
-              <a:rPr lang="en-US" sz="2000" dirty="0" err="1"/>
-              <a:t>Cliping</a:t>
+              <a:rPr lang="en-US" sz="2000" dirty="0"/>
+              <a:t>Clipping</a:t>
             </a:r>
             <a:r>
               <a:rPr lang="he-IL" sz="2000" dirty="0"/>
@@ -11242,19 +11229,6 @@
               </a:rPr>
               <a:t>EDA</a:t>
             </a:r>
-            <a:r>
-              <a:rPr lang="he-IL" sz="3500" dirty="0">
-                <a:solidFill>
-                  <a:srgbClr val="FFFFFF"/>
-                </a:solidFill>
-              </a:rPr>
-              <a:t>שלב ראשון </a:t>
-            </a:r>
-            <a:endParaRPr lang="en-US" sz="3500" dirty="0">
-              <a:solidFill>
-                <a:srgbClr val="FFFFFF"/>
-              </a:solidFill>
-            </a:endParaRPr>
           </a:p>
         </p:txBody>
       </p:sp>
@@ -11338,8 +11312,8 @@
         </p:blipFill>
         <p:spPr>
           <a:xfrm>
-            <a:off x="-26164" y="1174096"/>
-            <a:ext cx="4105004" cy="3507565"/>
+            <a:off x="-26164" y="1597432"/>
+            <a:ext cx="3946233" cy="3371901"/>
           </a:xfrm>
           <a:prstGeom prst="rect">
             <a:avLst/>
@@ -12958,8 +12932,8 @@
         </p:blipFill>
         <p:spPr>
           <a:xfrm>
-            <a:off x="2044557" y="14720"/>
-            <a:ext cx="7019013" cy="5454424"/>
+            <a:off x="3049232" y="14720"/>
+            <a:ext cx="6014338" cy="5454424"/>
           </a:xfrm>
         </p:spPr>
       </p:pic>
@@ -15856,8 +15830,8 @@
         </p:blipFill>
         <p:spPr>
           <a:xfrm>
-            <a:off x="2369977" y="1"/>
-            <a:ext cx="6727789" cy="4356242"/>
+            <a:off x="3030556" y="1"/>
+            <a:ext cx="6067210" cy="4356242"/>
           </a:xfrm>
           <a:prstGeom prst="rect">
             <a:avLst/>
@@ -24306,7 +24280,7 @@
         </p:spPr>
         <p:txBody>
           <a:bodyPr>
-            <a:normAutofit/>
+            <a:normAutofit fontScale="90000"/>
           </a:bodyPr>
           <a:lstStyle/>
           <a:p>
@@ -24316,7 +24290,7 @@
                   <a:schemeClr val="bg1"/>
                 </a:solidFill>
               </a:rPr>
-              <a:t>Literature review </a:t>
+              <a:t>EDA + Literature review </a:t>
             </a:r>
             <a:r>
               <a:rPr lang="he-IL" sz="3500" dirty="0">
@@ -24367,8 +24341,8 @@
               <a:t>זיהוי ערכים קיצוניים (</a:t>
             </a:r>
             <a:r>
-              <a:rPr lang="en-US" sz="2400" dirty="0" err="1"/>
-              <a:t>outlieers</a:t>
+              <a:rPr lang="en-US" sz="2400" dirty="0"/>
+              <a:t>outliers</a:t>
             </a:r>
             <a:r>
               <a:rPr lang="he-IL" sz="2400" dirty="0"/>
@@ -24389,7 +24363,7 @@
             </a:pPr>
             <a:r>
               <a:rPr lang="he-IL" sz="2400" dirty="0"/>
-              <a:t>אחד מהתוצרים של סקר הספרות היא הבנה של הערכים האופייניים במשתנים השונים</a:t>
+              <a:t>אחד התוצרים של סקר הספרות היא הבנה של הערכים האופייניים במשתנים השונים</a:t>
             </a:r>
           </a:p>
           <a:p>
@@ -24404,8 +24378,8 @@
               <a:t>נעשה שימוש בטווחים המקובלים כדי לבצע </a:t>
             </a:r>
             <a:r>
-              <a:rPr lang="en-US" sz="2400" dirty="0" err="1"/>
-              <a:t>cliping</a:t>
+              <a:rPr lang="en-US" sz="2400" dirty="0"/>
+              <a:t>clipping</a:t>
             </a:r>
             <a:r>
               <a:rPr lang="he-IL" sz="2400" dirty="0"/>
@@ -24894,7 +24868,7 @@
         </p:spPr>
         <p:txBody>
           <a:bodyPr>
-            <a:normAutofit/>
+            <a:normAutofit fontScale="90000"/>
           </a:bodyPr>
           <a:lstStyle/>
           <a:p>
@@ -24904,7 +24878,7 @@
                   <a:schemeClr val="bg1"/>
                 </a:solidFill>
               </a:rPr>
-              <a:t>Literature review </a:t>
+              <a:t>EDA+ Literature review </a:t>
             </a:r>
             <a:r>
               <a:rPr lang="he-IL" sz="3500" dirty="0">
@@ -25502,7 +25476,7 @@
         </p:spPr>
         <p:txBody>
           <a:bodyPr>
-            <a:normAutofit/>
+            <a:normAutofit fontScale="90000"/>
           </a:bodyPr>
           <a:lstStyle/>
           <a:p>
@@ -25512,7 +25486,7 @@
                   <a:schemeClr val="bg1"/>
                 </a:solidFill>
               </a:rPr>
-              <a:t>Literature review </a:t>
+              <a:t>EDA + Literature review </a:t>
             </a:r>
             <a:r>
               <a:rPr lang="he-IL" sz="3500" dirty="0">
@@ -26106,7 +26080,7 @@
         </p:spPr>
         <p:txBody>
           <a:bodyPr>
-            <a:normAutofit/>
+            <a:normAutofit fontScale="90000"/>
           </a:bodyPr>
           <a:lstStyle/>
           <a:p>
@@ -26116,7 +26090,7 @@
                   <a:schemeClr val="bg1"/>
                 </a:solidFill>
               </a:rPr>
-              <a:t>Literature review </a:t>
+              <a:t>EDA + Literature review </a:t>
             </a:r>
             <a:r>
               <a:rPr lang="he-IL" sz="3500" dirty="0">
